--- a/match report.pptx
+++ b/match report.pptx
@@ -19,16 +19,18 @@
     <p:sldId id="264" r:id="rId15"/>
     <p:sldId id="265" r:id="rId16"/>
     <p:sldId id="266" r:id="rId17"/>
+    <p:sldId id="267" r:id="rId18"/>
+    <p:sldId id="268" r:id="rId19"/>
   </p:sldIdLst>
   <p:sldSz cy="5143500" cx="9144000"/>
   <p:notesSz cx="6858000" cy="9144000"/>
   <p:embeddedFontLst>
     <p:embeddedFont>
       <p:font typeface="Nunito"/>
-      <p:regular r:id="rId18"/>
-      <p:bold r:id="rId19"/>
-      <p:italic r:id="rId20"/>
-      <p:boldItalic r:id="rId21"/>
+      <p:regular r:id="rId20"/>
+      <p:bold r:id="rId21"/>
+      <p:italic r:id="rId22"/>
+      <p:boldItalic r:id="rId23"/>
     </p:embeddedFont>
   </p:embeddedFontLst>
   <p:defaultTextStyle>
@@ -809,7 +811,7 @@
   <p:cSld>
     <p:spTree>
       <p:nvGrpSpPr>
-        <p:cNvPr id="176" name="Shape 176"/>
+        <p:cNvPr id="179" name="Shape 179"/>
         <p:cNvGrpSpPr/>
         <p:nvPr/>
       </p:nvGrpSpPr>
@@ -823,7 +825,7 @@
       </p:grpSpPr>
       <p:sp>
         <p:nvSpPr>
-          <p:cNvPr id="177" name="Google Shape;177;g2b4c2cecf90_3_35:notes"/>
+          <p:cNvPr id="180" name="Google Shape;180;g2b4c2cecf90_3_15:notes"/>
           <p:cNvSpPr/>
           <p:nvPr>
             <p:ph idx="2" type="sldImg"/>
@@ -858,7 +860,7 @@
       </p:sp>
       <p:sp>
         <p:nvSpPr>
-          <p:cNvPr id="178" name="Google Shape;178;g2b4c2cecf90_3_35:notes"/>
+          <p:cNvPr id="181" name="Google Shape;181;g2b4c2cecf90_3_15:notes"/>
           <p:cNvSpPr txBox="1"/>
           <p:nvPr>
             <p:ph idx="1" type="body"/>
@@ -908,7 +910,7 @@
   <p:cSld>
     <p:spTree>
       <p:nvGrpSpPr>
-        <p:cNvPr id="182" name="Shape 182"/>
+        <p:cNvPr id="185" name="Shape 185"/>
         <p:cNvGrpSpPr/>
         <p:nvPr/>
       </p:nvGrpSpPr>
@@ -922,7 +924,7 @@
       </p:grpSpPr>
       <p:sp>
         <p:nvSpPr>
-          <p:cNvPr id="183" name="Google Shape;183;g2b4c2cecf90_1_130:notes"/>
+          <p:cNvPr id="186" name="Google Shape;186;g2b4c2cecf90_3_20:notes"/>
           <p:cNvSpPr/>
           <p:nvPr>
             <p:ph idx="2" type="sldImg"/>
@@ -957,7 +959,205 @@
       </p:sp>
       <p:sp>
         <p:nvSpPr>
-          <p:cNvPr id="184" name="Google Shape;184;g2b4c2cecf90_1_130:notes"/>
+          <p:cNvPr id="187" name="Google Shape;187;g2b4c2cecf90_3_20:notes"/>
+          <p:cNvSpPr txBox="1"/>
+          <p:nvPr>
+            <p:ph idx="1" type="body"/>
+          </p:nvPr>
+        </p:nvSpPr>
+        <p:spPr>
+          <a:xfrm>
+            <a:off x="685800" y="4343400"/>
+            <a:ext cx="5486400" cy="4114800"/>
+          </a:xfrm>
+          <a:prstGeom prst="rect">
+            <a:avLst/>
+          </a:prstGeom>
+        </p:spPr>
+        <p:txBody>
+          <a:bodyPr anchorCtr="0" anchor="t" bIns="91425" lIns="91425" spcFirstLastPara="1" rIns="91425" wrap="square" tIns="91425">
+            <a:noAutofit/>
+          </a:bodyPr>
+          <a:lstStyle/>
+          <a:p>
+            <a:pPr indent="0" lvl="0" marL="0" rtl="0" algn="l">
+              <a:spcBef>
+                <a:spcPts val="0"/>
+              </a:spcBef>
+              <a:spcAft>
+                <a:spcPts val="0"/>
+              </a:spcAft>
+              <a:buNone/>
+            </a:pPr>
+            <a:r>
+              <a:t/>
+            </a:r>
+            <a:endParaRPr/>
+          </a:p>
+        </p:txBody>
+      </p:sp>
+    </p:spTree>
+  </p:cSld>
+  <p:clrMapOvr>
+    <a:masterClrMapping/>
+  </p:clrMapOvr>
+</p:notes>
+</file>
+
+<file path=ppt/notesSlides/notesSlide12.xml><?xml version="1.0" encoding="utf-8"?>
+<p:notes xmlns:a="http://schemas.openxmlformats.org/drawingml/2006/main" xmlns:r="http://schemas.openxmlformats.org/officeDocument/2006/relationships" xmlns:mc="http://schemas.openxmlformats.org/markup-compatibility/2006" xmlns:mv="urn:schemas-microsoft-com:mac:vml" xmlns:p="http://schemas.openxmlformats.org/presentationml/2006/main" xmlns:c="http://schemas.openxmlformats.org/drawingml/2006/chart" xmlns:dgm="http://schemas.openxmlformats.org/drawingml/2006/diagram" xmlns:o="urn:schemas-microsoft-com:office:office" xmlns:v="urn:schemas-microsoft-com:vml" xmlns:pvml="urn:schemas-microsoft-com:office:powerpoint" xmlns:com="http://schemas.openxmlformats.org/drawingml/2006/compatibility" xmlns:p14="http://schemas.microsoft.com/office/powerpoint/2010/main" xmlns:p15="http://schemas.microsoft.com/office/powerpoint/2012/main" xmlns:ahyp="http://schemas.microsoft.com/office/drawing/2018/hyperlinkcolor" showMasterPhAnim="0" showMasterSp="0">
+  <p:cSld>
+    <p:spTree>
+      <p:nvGrpSpPr>
+        <p:cNvPr id="191" name="Shape 191"/>
+        <p:cNvGrpSpPr/>
+        <p:nvPr/>
+      </p:nvGrpSpPr>
+      <p:grpSpPr>
+        <a:xfrm>
+          <a:off x="0" y="0"/>
+          <a:ext cx="0" cy="0"/>
+          <a:chOff x="0" y="0"/>
+          <a:chExt cx="0" cy="0"/>
+        </a:xfrm>
+      </p:grpSpPr>
+      <p:sp>
+        <p:nvSpPr>
+          <p:cNvPr id="192" name="Google Shape;192;g2b4c2cecf90_3_25:notes"/>
+          <p:cNvSpPr/>
+          <p:nvPr>
+            <p:ph idx="2" type="sldImg"/>
+          </p:nvPr>
+        </p:nvSpPr>
+        <p:spPr>
+          <a:xfrm>
+            <a:off x="381300" y="685800"/>
+            <a:ext cx="6096000" cy="3429000"/>
+          </a:xfrm>
+          <a:custGeom>
+            <a:rect b="b" l="l" r="r" t="t"/>
+            <a:pathLst>
+              <a:path extrusionOk="0" h="120000" w="120000">
+                <a:moveTo>
+                  <a:pt x="0" y="0"/>
+                </a:moveTo>
+                <a:lnTo>
+                  <a:pt x="120000" y="0"/>
+                </a:lnTo>
+                <a:lnTo>
+                  <a:pt x="120000" y="120000"/>
+                </a:lnTo>
+                <a:lnTo>
+                  <a:pt x="0" y="120000"/>
+                </a:lnTo>
+                <a:close/>
+              </a:path>
+            </a:pathLst>
+          </a:custGeom>
+        </p:spPr>
+      </p:sp>
+      <p:sp>
+        <p:nvSpPr>
+          <p:cNvPr id="193" name="Google Shape;193;g2b4c2cecf90_3_25:notes"/>
+          <p:cNvSpPr txBox="1"/>
+          <p:nvPr>
+            <p:ph idx="1" type="body"/>
+          </p:nvPr>
+        </p:nvSpPr>
+        <p:spPr>
+          <a:xfrm>
+            <a:off x="685800" y="4343400"/>
+            <a:ext cx="5486400" cy="4114800"/>
+          </a:xfrm>
+          <a:prstGeom prst="rect">
+            <a:avLst/>
+          </a:prstGeom>
+        </p:spPr>
+        <p:txBody>
+          <a:bodyPr anchorCtr="0" anchor="t" bIns="91425" lIns="91425" spcFirstLastPara="1" rIns="91425" wrap="square" tIns="91425">
+            <a:noAutofit/>
+          </a:bodyPr>
+          <a:lstStyle/>
+          <a:p>
+            <a:pPr indent="0" lvl="0" marL="0" rtl="0" algn="l">
+              <a:spcBef>
+                <a:spcPts val="0"/>
+              </a:spcBef>
+              <a:spcAft>
+                <a:spcPts val="0"/>
+              </a:spcAft>
+              <a:buNone/>
+            </a:pPr>
+            <a:r>
+              <a:t/>
+            </a:r>
+            <a:endParaRPr/>
+          </a:p>
+        </p:txBody>
+      </p:sp>
+    </p:spTree>
+  </p:cSld>
+  <p:clrMapOvr>
+    <a:masterClrMapping/>
+  </p:clrMapOvr>
+</p:notes>
+</file>
+
+<file path=ppt/notesSlides/notesSlide13.xml><?xml version="1.0" encoding="utf-8"?>
+<p:notes xmlns:a="http://schemas.openxmlformats.org/drawingml/2006/main" xmlns:r="http://schemas.openxmlformats.org/officeDocument/2006/relationships" xmlns:mc="http://schemas.openxmlformats.org/markup-compatibility/2006" xmlns:mv="urn:schemas-microsoft-com:mac:vml" xmlns:p="http://schemas.openxmlformats.org/presentationml/2006/main" xmlns:c="http://schemas.openxmlformats.org/drawingml/2006/chart" xmlns:dgm="http://schemas.openxmlformats.org/drawingml/2006/diagram" xmlns:o="urn:schemas-microsoft-com:office:office" xmlns:v="urn:schemas-microsoft-com:vml" xmlns:pvml="urn:schemas-microsoft-com:office:powerpoint" xmlns:com="http://schemas.openxmlformats.org/drawingml/2006/compatibility" xmlns:p14="http://schemas.microsoft.com/office/powerpoint/2010/main" xmlns:p15="http://schemas.microsoft.com/office/powerpoint/2012/main" xmlns:ahyp="http://schemas.microsoft.com/office/drawing/2018/hyperlinkcolor" showMasterPhAnim="0" showMasterSp="0">
+  <p:cSld>
+    <p:spTree>
+      <p:nvGrpSpPr>
+        <p:cNvPr id="197" name="Shape 197"/>
+        <p:cNvGrpSpPr/>
+        <p:nvPr/>
+      </p:nvGrpSpPr>
+      <p:grpSpPr>
+        <a:xfrm>
+          <a:off x="0" y="0"/>
+          <a:ext cx="0" cy="0"/>
+          <a:chOff x="0" y="0"/>
+          <a:chExt cx="0" cy="0"/>
+        </a:xfrm>
+      </p:grpSpPr>
+      <p:sp>
+        <p:nvSpPr>
+          <p:cNvPr id="198" name="Google Shape;198;g2b4c2cecf90_3_30:notes"/>
+          <p:cNvSpPr/>
+          <p:nvPr>
+            <p:ph idx="2" type="sldImg"/>
+          </p:nvPr>
+        </p:nvSpPr>
+        <p:spPr>
+          <a:xfrm>
+            <a:off x="381300" y="685800"/>
+            <a:ext cx="6096000" cy="3429000"/>
+          </a:xfrm>
+          <a:custGeom>
+            <a:rect b="b" l="l" r="r" t="t"/>
+            <a:pathLst>
+              <a:path extrusionOk="0" h="120000" w="120000">
+                <a:moveTo>
+                  <a:pt x="0" y="0"/>
+                </a:moveTo>
+                <a:lnTo>
+                  <a:pt x="120000" y="0"/>
+                </a:lnTo>
+                <a:lnTo>
+                  <a:pt x="120000" y="120000"/>
+                </a:lnTo>
+                <a:lnTo>
+                  <a:pt x="0" y="120000"/>
+                </a:lnTo>
+                <a:close/>
+              </a:path>
+            </a:pathLst>
+          </a:custGeom>
+        </p:spPr>
+      </p:sp>
+      <p:sp>
+        <p:nvSpPr>
+          <p:cNvPr id="199" name="Google Shape;199;g2b4c2cecf90_3_30:notes"/>
           <p:cNvSpPr txBox="1"/>
           <p:nvPr>
             <p:ph idx="1" type="body"/>
@@ -1120,7 +1320,7 @@
       </p:grpSpPr>
       <p:sp>
         <p:nvSpPr>
-          <p:cNvPr id="136" name="Google Shape;136;g2b4c2cecf90_1_120:notes"/>
+          <p:cNvPr id="136" name="Google Shape;136;g2b4c2cecf90_34_23:notes"/>
           <p:cNvSpPr/>
           <p:nvPr>
             <p:ph idx="2" type="sldImg"/>
@@ -1155,7 +1355,7 @@
       </p:sp>
       <p:sp>
         <p:nvSpPr>
-          <p:cNvPr id="137" name="Google Shape;137;g2b4c2cecf90_1_120:notes"/>
+          <p:cNvPr id="137" name="Google Shape;137;g2b4c2cecf90_34_23:notes"/>
           <p:cNvSpPr txBox="1"/>
           <p:nvPr>
             <p:ph idx="1" type="body"/>
@@ -1219,7 +1419,7 @@
       </p:grpSpPr>
       <p:sp>
         <p:nvSpPr>
-          <p:cNvPr id="142" name="Google Shape;142;g2b4c2cecf90_1_125:notes"/>
+          <p:cNvPr id="142" name="Google Shape;142;g2b4c2cecf90_1_120:notes"/>
           <p:cNvSpPr/>
           <p:nvPr>
             <p:ph idx="2" type="sldImg"/>
@@ -1254,7 +1454,7 @@
       </p:sp>
       <p:sp>
         <p:nvSpPr>
-          <p:cNvPr id="143" name="Google Shape;143;g2b4c2cecf90_1_125:notes"/>
+          <p:cNvPr id="143" name="Google Shape;143;g2b4c2cecf90_1_120:notes"/>
           <p:cNvSpPr txBox="1"/>
           <p:nvPr>
             <p:ph idx="1" type="body"/>
@@ -1318,7 +1518,7 @@
       </p:grpSpPr>
       <p:sp>
         <p:nvSpPr>
-          <p:cNvPr id="148" name="Google Shape;148;g2b4c2cecf90_3_8:notes"/>
+          <p:cNvPr id="148" name="Google Shape;148;g2b4c2cecf90_1_125:notes"/>
           <p:cNvSpPr/>
           <p:nvPr>
             <p:ph idx="2" type="sldImg"/>
@@ -1353,7 +1553,7 @@
       </p:sp>
       <p:sp>
         <p:nvSpPr>
-          <p:cNvPr id="149" name="Google Shape;149;g2b4c2cecf90_3_8:notes"/>
+          <p:cNvPr id="149" name="Google Shape;149;g2b4c2cecf90_1_125:notes"/>
           <p:cNvSpPr txBox="1"/>
           <p:nvPr>
             <p:ph idx="1" type="body"/>
@@ -1403,7 +1603,7 @@
   <p:cSld>
     <p:spTree>
       <p:nvGrpSpPr>
-        <p:cNvPr id="152" name="Shape 152"/>
+        <p:cNvPr id="153" name="Shape 153"/>
         <p:cNvGrpSpPr/>
         <p:nvPr/>
       </p:nvGrpSpPr>
@@ -1417,7 +1617,7 @@
       </p:grpSpPr>
       <p:sp>
         <p:nvSpPr>
-          <p:cNvPr id="153" name="Google Shape;153;g2b4c2cecf90_3_15:notes"/>
+          <p:cNvPr id="154" name="Google Shape;154;g2b4c2cecf90_34_6:notes"/>
           <p:cNvSpPr/>
           <p:nvPr>
             <p:ph idx="2" type="sldImg"/>
@@ -1452,7 +1652,7 @@
       </p:sp>
       <p:sp>
         <p:nvSpPr>
-          <p:cNvPr id="154" name="Google Shape;154;g2b4c2cecf90_3_15:notes"/>
+          <p:cNvPr id="155" name="Google Shape;155;g2b4c2cecf90_34_6:notes"/>
           <p:cNvSpPr txBox="1"/>
           <p:nvPr>
             <p:ph idx="1" type="body"/>
@@ -1502,7 +1702,7 @@
   <p:cSld>
     <p:spTree>
       <p:nvGrpSpPr>
-        <p:cNvPr id="158" name="Shape 158"/>
+        <p:cNvPr id="159" name="Shape 159"/>
         <p:cNvGrpSpPr/>
         <p:nvPr/>
       </p:nvGrpSpPr>
@@ -1516,7 +1716,7 @@
       </p:grpSpPr>
       <p:sp>
         <p:nvSpPr>
-          <p:cNvPr id="159" name="Google Shape;159;g2b4c2cecf90_3_20:notes"/>
+          <p:cNvPr id="160" name="Google Shape;160;g2b4c2cecf90_34_0:notes"/>
           <p:cNvSpPr/>
           <p:nvPr>
             <p:ph idx="2" type="sldImg"/>
@@ -1551,7 +1751,7 @@
       </p:sp>
       <p:sp>
         <p:nvSpPr>
-          <p:cNvPr id="160" name="Google Shape;160;g2b4c2cecf90_3_20:notes"/>
+          <p:cNvPr id="161" name="Google Shape;161;g2b4c2cecf90_34_0:notes"/>
           <p:cNvSpPr txBox="1"/>
           <p:nvPr>
             <p:ph idx="1" type="body"/>
@@ -1601,7 +1801,7 @@
   <p:cSld>
     <p:spTree>
       <p:nvGrpSpPr>
-        <p:cNvPr id="164" name="Shape 164"/>
+        <p:cNvPr id="165" name="Shape 165"/>
         <p:cNvGrpSpPr/>
         <p:nvPr/>
       </p:nvGrpSpPr>
@@ -1615,7 +1815,7 @@
       </p:grpSpPr>
       <p:sp>
         <p:nvSpPr>
-          <p:cNvPr id="165" name="Google Shape;165;g2b4c2cecf90_3_25:notes"/>
+          <p:cNvPr id="166" name="Google Shape;166;g2b4c2cecf90_34_29:notes"/>
           <p:cNvSpPr/>
           <p:nvPr>
             <p:ph idx="2" type="sldImg"/>
@@ -1650,7 +1850,7 @@
       </p:sp>
       <p:sp>
         <p:nvSpPr>
-          <p:cNvPr id="166" name="Google Shape;166;g2b4c2cecf90_3_25:notes"/>
+          <p:cNvPr id="167" name="Google Shape;167;g2b4c2cecf90_34_29:notes"/>
           <p:cNvSpPr txBox="1"/>
           <p:nvPr>
             <p:ph idx="1" type="body"/>
@@ -1700,7 +1900,7 @@
   <p:cSld>
     <p:spTree>
       <p:nvGrpSpPr>
-        <p:cNvPr id="170" name="Shape 170"/>
+        <p:cNvPr id="172" name="Shape 172"/>
         <p:cNvGrpSpPr/>
         <p:nvPr/>
       </p:nvGrpSpPr>
@@ -1714,7 +1914,7 @@
       </p:grpSpPr>
       <p:sp>
         <p:nvSpPr>
-          <p:cNvPr id="171" name="Google Shape;171;g2b4c2cecf90_3_30:notes"/>
+          <p:cNvPr id="173" name="Google Shape;173;g2b4c2cecf90_34_36:notes"/>
           <p:cNvSpPr/>
           <p:nvPr>
             <p:ph idx="2" type="sldImg"/>
@@ -1749,7 +1949,7 @@
       </p:sp>
       <p:sp>
         <p:nvSpPr>
-          <p:cNvPr id="172" name="Google Shape;172;g2b4c2cecf90_3_30:notes"/>
+          <p:cNvPr id="174" name="Google Shape;174;g2b4c2cecf90_34_36:notes"/>
           <p:cNvSpPr txBox="1"/>
           <p:nvPr>
             <p:ph idx="1" type="body"/>
@@ -10007,7 +10207,7 @@
   <p:cSld>
     <p:spTree>
       <p:nvGrpSpPr>
-        <p:cNvPr id="179" name="Shape 179"/>
+        <p:cNvPr id="182" name="Shape 182"/>
         <p:cNvGrpSpPr/>
         <p:nvPr/>
       </p:nvGrpSpPr>
@@ -10021,7 +10221,7 @@
       </p:grpSpPr>
       <p:sp>
         <p:nvSpPr>
-          <p:cNvPr id="180" name="Google Shape;180;p22"/>
+          <p:cNvPr id="183" name="Google Shape;183;p22"/>
           <p:cNvSpPr txBox="1"/>
           <p:nvPr>
             <p:ph type="title"/>
@@ -10052,51 +10252,40 @@
               <a:buNone/>
             </a:pPr>
             <a:r>
-              <a:t/>
+              <a:rPr lang="uk" sz="2700"/>
+              <a:t>Progression stats: Liverpool</a:t>
             </a:r>
-            <a:endParaRPr/>
+            <a:endParaRPr sz="2700"/>
           </a:p>
         </p:txBody>
       </p:sp>
-      <p:sp>
-        <p:nvSpPr>
-          <p:cNvPr id="181" name="Google Shape;181;p22"/>
-          <p:cNvSpPr txBox="1"/>
-          <p:nvPr>
-            <p:ph idx="1" type="body"/>
-          </p:nvPr>
-        </p:nvSpPr>
+      <p:pic>
+        <p:nvPicPr>
+          <p:cNvPr id="184" name="Google Shape;184;p22"/>
+          <p:cNvPicPr preferRelativeResize="0"/>
+          <p:nvPr/>
+        </p:nvPicPr>
+        <p:blipFill rotWithShape="1">
+          <a:blip r:embed="rId3">
+            <a:alphaModFix/>
+          </a:blip>
+          <a:srcRect b="0" l="0" r="4021" t="0"/>
+          <a:stretch/>
+        </p:blipFill>
         <p:spPr>
           <a:xfrm>
-            <a:off x="819150" y="1990725"/>
-            <a:ext cx="7505700" cy="2448000"/>
+            <a:off x="330288" y="1934925"/>
+            <a:ext cx="8483424" cy="2745100"/>
           </a:xfrm>
           <a:prstGeom prst="rect">
             <a:avLst/>
           </a:prstGeom>
+          <a:noFill/>
+          <a:ln>
+            <a:noFill/>
+          </a:ln>
         </p:spPr>
-        <p:txBody>
-          <a:bodyPr anchorCtr="0" anchor="t" bIns="91425" lIns="91425" spcFirstLastPara="1" rIns="91425" wrap="square" tIns="91425">
-            <a:normAutofit/>
-          </a:bodyPr>
-          <a:lstStyle/>
-          <a:p>
-            <a:pPr indent="0" lvl="0" marL="0" rtl="0" algn="l">
-              <a:spcBef>
-                <a:spcPts val="0"/>
-              </a:spcBef>
-              <a:spcAft>
-                <a:spcPts val="1200"/>
-              </a:spcAft>
-              <a:buNone/>
-            </a:pPr>
-            <a:r>
-              <a:t/>
-            </a:r>
-            <a:endParaRPr/>
-          </a:p>
-        </p:txBody>
-      </p:sp>
+      </p:pic>
     </p:spTree>
   </p:cSld>
   <p:clrMapOvr>
@@ -10110,7 +10299,7 @@
   <p:cSld>
     <p:spTree>
       <p:nvGrpSpPr>
-        <p:cNvPr id="185" name="Shape 185"/>
+        <p:cNvPr id="188" name="Shape 188"/>
         <p:cNvGrpSpPr/>
         <p:nvPr/>
       </p:nvGrpSpPr>
@@ -10124,7 +10313,237 @@
       </p:grpSpPr>
       <p:sp>
         <p:nvSpPr>
-          <p:cNvPr id="186" name="Google Shape;186;p23"/>
+          <p:cNvPr id="189" name="Google Shape;189;p23"/>
+          <p:cNvSpPr txBox="1"/>
+          <p:nvPr>
+            <p:ph type="title"/>
+          </p:nvPr>
+        </p:nvSpPr>
+        <p:spPr>
+          <a:xfrm>
+            <a:off x="819150" y="845600"/>
+            <a:ext cx="7505700" cy="954600"/>
+          </a:xfrm>
+          <a:prstGeom prst="rect">
+            <a:avLst/>
+          </a:prstGeom>
+        </p:spPr>
+        <p:txBody>
+          <a:bodyPr anchorCtr="0" anchor="t" bIns="91425" lIns="91425" spcFirstLastPara="1" rIns="91425" wrap="square" tIns="91425">
+            <a:normAutofit fontScale="90000"/>
+          </a:bodyPr>
+          <a:lstStyle/>
+          <a:p>
+            <a:pPr indent="0" lvl="0" marL="0" rtl="0" algn="l">
+              <a:spcBef>
+                <a:spcPts val="0"/>
+              </a:spcBef>
+              <a:spcAft>
+                <a:spcPts val="0"/>
+              </a:spcAft>
+              <a:buNone/>
+            </a:pPr>
+            <a:r>
+              <a:rPr lang="uk"/>
+              <a:t>Progression stats: Real Madrid</a:t>
+            </a:r>
+            <a:endParaRPr/>
+          </a:p>
+          <a:p>
+            <a:pPr indent="0" lvl="0" marL="0" rtl="0" algn="l">
+              <a:spcBef>
+                <a:spcPts val="0"/>
+              </a:spcBef>
+              <a:spcAft>
+                <a:spcPts val="0"/>
+              </a:spcAft>
+              <a:buNone/>
+            </a:pPr>
+            <a:r>
+              <a:t/>
+            </a:r>
+            <a:endParaRPr/>
+          </a:p>
+        </p:txBody>
+      </p:sp>
+      <p:pic>
+        <p:nvPicPr>
+          <p:cNvPr id="190" name="Google Shape;190;p23"/>
+          <p:cNvPicPr preferRelativeResize="0"/>
+          <p:nvPr/>
+        </p:nvPicPr>
+        <p:blipFill rotWithShape="1">
+          <a:blip r:embed="rId3">
+            <a:alphaModFix/>
+          </a:blip>
+          <a:srcRect b="0" l="0" r="4324" t="0"/>
+          <a:stretch/>
+        </p:blipFill>
+        <p:spPr>
+          <a:xfrm>
+            <a:off x="343538" y="1890725"/>
+            <a:ext cx="8456925" cy="2745100"/>
+          </a:xfrm>
+          <a:prstGeom prst="rect">
+            <a:avLst/>
+          </a:prstGeom>
+          <a:noFill/>
+          <a:ln>
+            <a:noFill/>
+          </a:ln>
+        </p:spPr>
+      </p:pic>
+    </p:spTree>
+  </p:cSld>
+  <p:clrMapOvr>
+    <a:masterClrMapping/>
+  </p:clrMapOvr>
+</p:sld>
+</file>
+
+<file path=ppt/slides/slide12.xml><?xml version="1.0" encoding="utf-8"?>
+<p:sld xmlns:a="http://schemas.openxmlformats.org/drawingml/2006/main" xmlns:r="http://schemas.openxmlformats.org/officeDocument/2006/relationships" xmlns:mc="http://schemas.openxmlformats.org/markup-compatibility/2006" xmlns:mv="urn:schemas-microsoft-com:mac:vml" xmlns:p="http://schemas.openxmlformats.org/presentationml/2006/main" xmlns:c="http://schemas.openxmlformats.org/drawingml/2006/chart" xmlns:dgm="http://schemas.openxmlformats.org/drawingml/2006/diagram" xmlns:o="urn:schemas-microsoft-com:office:office" xmlns:v="urn:schemas-microsoft-com:vml" xmlns:pvml="urn:schemas-microsoft-com:office:powerpoint" xmlns:com="http://schemas.openxmlformats.org/drawingml/2006/compatibility" xmlns:p14="http://schemas.microsoft.com/office/powerpoint/2010/main" xmlns:p15="http://schemas.microsoft.com/office/powerpoint/2012/main" xmlns:ahyp="http://schemas.microsoft.com/office/drawing/2018/hyperlinkcolor">
+  <p:cSld>
+    <p:spTree>
+      <p:nvGrpSpPr>
+        <p:cNvPr id="194" name="Shape 194"/>
+        <p:cNvGrpSpPr/>
+        <p:nvPr/>
+      </p:nvGrpSpPr>
+      <p:grpSpPr>
+        <a:xfrm>
+          <a:off x="0" y="0"/>
+          <a:ext cx="0" cy="0"/>
+          <a:chOff x="0" y="0"/>
+          <a:chExt cx="0" cy="0"/>
+        </a:xfrm>
+      </p:grpSpPr>
+      <p:sp>
+        <p:nvSpPr>
+          <p:cNvPr id="195" name="Google Shape;195;p24"/>
+          <p:cNvSpPr txBox="1"/>
+          <p:nvPr>
+            <p:ph type="title"/>
+          </p:nvPr>
+        </p:nvSpPr>
+        <p:spPr>
+          <a:xfrm>
+            <a:off x="819150" y="845600"/>
+            <a:ext cx="7505700" cy="954600"/>
+          </a:xfrm>
+          <a:prstGeom prst="rect">
+            <a:avLst/>
+          </a:prstGeom>
+        </p:spPr>
+        <p:txBody>
+          <a:bodyPr anchorCtr="0" anchor="t" bIns="91425" lIns="91425" spcFirstLastPara="1" rIns="91425" wrap="square" tIns="91425">
+            <a:normAutofit fontScale="90000"/>
+          </a:bodyPr>
+          <a:lstStyle/>
+          <a:p>
+            <a:pPr indent="0" lvl="0" marL="0" rtl="0" algn="l">
+              <a:spcBef>
+                <a:spcPts val="0"/>
+              </a:spcBef>
+              <a:spcAft>
+                <a:spcPts val="0"/>
+              </a:spcAft>
+              <a:buNone/>
+            </a:pPr>
+            <a:r>
+              <a:rPr lang="uk"/>
+              <a:t>Progression stats: Mixed</a:t>
+            </a:r>
+            <a:endParaRPr/>
+          </a:p>
+          <a:p>
+            <a:pPr indent="0" lvl="0" marL="0" rtl="0" algn="l">
+              <a:spcBef>
+                <a:spcPts val="0"/>
+              </a:spcBef>
+              <a:spcAft>
+                <a:spcPts val="0"/>
+              </a:spcAft>
+              <a:buNone/>
+            </a:pPr>
+            <a:r>
+              <a:t/>
+            </a:r>
+            <a:endParaRPr/>
+          </a:p>
+          <a:p>
+            <a:pPr indent="0" lvl="0" marL="0" rtl="0" algn="l">
+              <a:spcBef>
+                <a:spcPts val="0"/>
+              </a:spcBef>
+              <a:spcAft>
+                <a:spcPts val="0"/>
+              </a:spcAft>
+              <a:buNone/>
+            </a:pPr>
+            <a:r>
+              <a:t/>
+            </a:r>
+            <a:endParaRPr/>
+          </a:p>
+        </p:txBody>
+      </p:sp>
+      <p:pic>
+        <p:nvPicPr>
+          <p:cNvPr id="196" name="Google Shape;196;p24"/>
+          <p:cNvPicPr preferRelativeResize="0"/>
+          <p:nvPr/>
+        </p:nvPicPr>
+        <p:blipFill>
+          <a:blip r:embed="rId3">
+            <a:alphaModFix/>
+          </a:blip>
+          <a:stretch>
+            <a:fillRect/>
+          </a:stretch>
+        </p:blipFill>
+        <p:spPr>
+          <a:xfrm>
+            <a:off x="357188" y="1982600"/>
+            <a:ext cx="8429626" cy="2617900"/>
+          </a:xfrm>
+          <a:prstGeom prst="rect">
+            <a:avLst/>
+          </a:prstGeom>
+          <a:noFill/>
+          <a:ln>
+            <a:noFill/>
+          </a:ln>
+        </p:spPr>
+      </p:pic>
+    </p:spTree>
+  </p:cSld>
+  <p:clrMapOvr>
+    <a:masterClrMapping/>
+  </p:clrMapOvr>
+</p:sld>
+</file>
+
+<file path=ppt/slides/slide13.xml><?xml version="1.0" encoding="utf-8"?>
+<p:sld xmlns:a="http://schemas.openxmlformats.org/drawingml/2006/main" xmlns:r="http://schemas.openxmlformats.org/officeDocument/2006/relationships" xmlns:mc="http://schemas.openxmlformats.org/markup-compatibility/2006" xmlns:mv="urn:schemas-microsoft-com:mac:vml" xmlns:p="http://schemas.openxmlformats.org/presentationml/2006/main" xmlns:c="http://schemas.openxmlformats.org/drawingml/2006/chart" xmlns:dgm="http://schemas.openxmlformats.org/drawingml/2006/diagram" xmlns:o="urn:schemas-microsoft-com:office:office" xmlns:v="urn:schemas-microsoft-com:vml" xmlns:pvml="urn:schemas-microsoft-com:office:powerpoint" xmlns:com="http://schemas.openxmlformats.org/drawingml/2006/compatibility" xmlns:p14="http://schemas.microsoft.com/office/powerpoint/2010/main" xmlns:p15="http://schemas.microsoft.com/office/powerpoint/2012/main" xmlns:ahyp="http://schemas.microsoft.com/office/drawing/2018/hyperlinkcolor">
+  <p:cSld>
+    <p:spTree>
+      <p:nvGrpSpPr>
+        <p:cNvPr id="200" name="Shape 200"/>
+        <p:cNvGrpSpPr/>
+        <p:nvPr/>
+      </p:nvGrpSpPr>
+      <p:grpSpPr>
+        <a:xfrm>
+          <a:off x="0" y="0"/>
+          <a:ext cx="0" cy="0"/>
+          <a:chOff x="0" y="0"/>
+          <a:chExt cx="0" cy="0"/>
+        </a:xfrm>
+      </p:grpSpPr>
+      <p:sp>
+        <p:nvSpPr>
+          <p:cNvPr id="201" name="Google Shape;201;p25"/>
           <p:cNvSpPr txBox="1"/>
           <p:nvPr>
             <p:ph type="title"/>
@@ -10145,7 +10564,7 @@
           </a:bodyPr>
           <a:lstStyle/>
           <a:p>
-            <a:pPr indent="0" lvl="0" marL="0" rtl="0" algn="l">
+            <a:pPr indent="0" lvl="0" marL="0" rtl="0" algn="ctr">
               <a:spcBef>
                 <a:spcPts val="0"/>
               </a:spcBef>
@@ -10155,51 +10574,41 @@
               <a:buNone/>
             </a:pPr>
             <a:r>
-              <a:t/>
+              <a:rPr lang="uk"/>
+              <a:t>Thanks for your attention!</a:t>
             </a:r>
             <a:endParaRPr/>
           </a:p>
         </p:txBody>
       </p:sp>
-      <p:sp>
-        <p:nvSpPr>
-          <p:cNvPr id="187" name="Google Shape;187;p23"/>
-          <p:cNvSpPr txBox="1"/>
-          <p:nvPr>
-            <p:ph idx="1" type="body"/>
-          </p:nvPr>
-        </p:nvSpPr>
+      <p:pic>
+        <p:nvPicPr>
+          <p:cNvPr id="202" name="Google Shape;202;p25"/>
+          <p:cNvPicPr preferRelativeResize="0"/>
+          <p:nvPr/>
+        </p:nvPicPr>
+        <p:blipFill>
+          <a:blip r:embed="rId3">
+            <a:alphaModFix/>
+          </a:blip>
+          <a:stretch>
+            <a:fillRect/>
+          </a:stretch>
+        </p:blipFill>
         <p:spPr>
           <a:xfrm>
-            <a:off x="819150" y="1990725"/>
-            <a:ext cx="7505700" cy="2448000"/>
+            <a:off x="2997990" y="1527300"/>
+            <a:ext cx="3148025" cy="3148050"/>
           </a:xfrm>
           <a:prstGeom prst="rect">
             <a:avLst/>
           </a:prstGeom>
+          <a:noFill/>
+          <a:ln>
+            <a:noFill/>
+          </a:ln>
         </p:spPr>
-        <p:txBody>
-          <a:bodyPr anchorCtr="0" anchor="t" bIns="91425" lIns="91425" spcFirstLastPara="1" rIns="91425" wrap="square" tIns="91425">
-            <a:normAutofit/>
-          </a:bodyPr>
-          <a:lstStyle/>
-          <a:p>
-            <a:pPr indent="0" lvl="0" marL="0" rtl="0" algn="l">
-              <a:spcBef>
-                <a:spcPts val="0"/>
-              </a:spcBef>
-              <a:spcAft>
-                <a:spcPts val="1200"/>
-              </a:spcAft>
-              <a:buNone/>
-            </a:pPr>
-            <a:r>
-              <a:t/>
-            </a:r>
-            <a:endParaRPr/>
-          </a:p>
-        </p:txBody>
-      </p:sp>
+      </p:pic>
     </p:spTree>
   </p:cSld>
   <p:clrMapOvr>
@@ -10311,6 +10720,99 @@
             </a:pPr>
             <a:r>
               <a:rPr lang="uk"/>
+              <a:t>Match events</a:t>
+            </a:r>
+            <a:endParaRPr/>
+          </a:p>
+        </p:txBody>
+      </p:sp>
+      <p:pic>
+        <p:nvPicPr>
+          <p:cNvPr id="140" name="Google Shape;140;p15"/>
+          <p:cNvPicPr preferRelativeResize="0"/>
+          <p:nvPr/>
+        </p:nvPicPr>
+        <p:blipFill>
+          <a:blip r:embed="rId3">
+            <a:alphaModFix/>
+          </a:blip>
+          <a:stretch>
+            <a:fillRect/>
+          </a:stretch>
+        </p:blipFill>
+        <p:spPr>
+          <a:xfrm>
+            <a:off x="339213" y="1620225"/>
+            <a:ext cx="8465576" cy="3229475"/>
+          </a:xfrm>
+          <a:prstGeom prst="rect">
+            <a:avLst/>
+          </a:prstGeom>
+          <a:noFill/>
+          <a:ln>
+            <a:noFill/>
+          </a:ln>
+        </p:spPr>
+      </p:pic>
+    </p:spTree>
+  </p:cSld>
+  <p:clrMapOvr>
+    <a:masterClrMapping/>
+  </p:clrMapOvr>
+</p:sld>
+</file>
+
+<file path=ppt/slides/slide4.xml><?xml version="1.0" encoding="utf-8"?>
+<p:sld xmlns:a="http://schemas.openxmlformats.org/drawingml/2006/main" xmlns:r="http://schemas.openxmlformats.org/officeDocument/2006/relationships" xmlns:mc="http://schemas.openxmlformats.org/markup-compatibility/2006" xmlns:mv="urn:schemas-microsoft-com:mac:vml" xmlns:p="http://schemas.openxmlformats.org/presentationml/2006/main" xmlns:c="http://schemas.openxmlformats.org/drawingml/2006/chart" xmlns:dgm="http://schemas.openxmlformats.org/drawingml/2006/diagram" xmlns:o="urn:schemas-microsoft-com:office:office" xmlns:v="urn:schemas-microsoft-com:vml" xmlns:pvml="urn:schemas-microsoft-com:office:powerpoint" xmlns:com="http://schemas.openxmlformats.org/drawingml/2006/compatibility" xmlns:p14="http://schemas.microsoft.com/office/powerpoint/2010/main" xmlns:p15="http://schemas.microsoft.com/office/powerpoint/2012/main" xmlns:ahyp="http://schemas.microsoft.com/office/drawing/2018/hyperlinkcolor">
+  <p:cSld>
+    <p:spTree>
+      <p:nvGrpSpPr>
+        <p:cNvPr id="144" name="Shape 144"/>
+        <p:cNvGrpSpPr/>
+        <p:nvPr/>
+      </p:nvGrpSpPr>
+      <p:grpSpPr>
+        <a:xfrm>
+          <a:off x="0" y="0"/>
+          <a:ext cx="0" cy="0"/>
+          <a:chOff x="0" y="0"/>
+          <a:chExt cx="0" cy="0"/>
+        </a:xfrm>
+      </p:grpSpPr>
+      <p:sp>
+        <p:nvSpPr>
+          <p:cNvPr id="145" name="Google Shape;145;p16"/>
+          <p:cNvSpPr txBox="1"/>
+          <p:nvPr>
+            <p:ph type="title"/>
+          </p:nvPr>
+        </p:nvSpPr>
+        <p:spPr>
+          <a:xfrm>
+            <a:off x="819150" y="845600"/>
+            <a:ext cx="7505700" cy="954600"/>
+          </a:xfrm>
+          <a:prstGeom prst="rect">
+            <a:avLst/>
+          </a:prstGeom>
+        </p:spPr>
+        <p:txBody>
+          <a:bodyPr anchorCtr="0" anchor="t" bIns="91425" lIns="91425" spcFirstLastPara="1" rIns="91425" wrap="square" tIns="91425">
+            <a:normAutofit/>
+          </a:bodyPr>
+          <a:lstStyle/>
+          <a:p>
+            <a:pPr indent="0" lvl="0" marL="0" rtl="0" algn="l">
+              <a:spcBef>
+                <a:spcPts val="0"/>
+              </a:spcBef>
+              <a:spcAft>
+                <a:spcPts val="0"/>
+              </a:spcAft>
+              <a:buNone/>
+            </a:pPr>
+            <a:r>
+              <a:rPr lang="uk"/>
               <a:t>Basic match facts</a:t>
             </a:r>
             <a:endParaRPr/>
@@ -10319,7 +10821,7 @@
       </p:sp>
       <p:graphicFrame>
         <p:nvGraphicFramePr>
-          <p:cNvPr id="140" name="Google Shape;140;p15"/>
+          <p:cNvPr id="146" name="Google Shape;146;p16"/>
           <p:cNvGraphicFramePr/>
           <p:nvPr/>
         </p:nvGraphicFramePr>
@@ -10332,7 +10834,7 @@
             <a:tbl>
               <a:tblPr>
                 <a:noFill/>
-                <a:tableStyleId>{822E79C5-B658-498F-A145-1DF3EC7B126C}</a:tableStyleId>
+                <a:tableStyleId>{C2E2A8D4-DC70-4A1D-9984-AA89BE0DEE24}</a:tableStyleId>
               </a:tblPr>
               <a:tblGrid>
                 <a:gridCol w="2413000"/>
@@ -11670,12 +12172,12 @@
 </p:sld>
 </file>
 
-<file path=ppt/slides/slide4.xml><?xml version="1.0" encoding="utf-8"?>
+<file path=ppt/slides/slide5.xml><?xml version="1.0" encoding="utf-8"?>
 <p:sld xmlns:a="http://schemas.openxmlformats.org/drawingml/2006/main" xmlns:r="http://schemas.openxmlformats.org/officeDocument/2006/relationships" xmlns:mc="http://schemas.openxmlformats.org/markup-compatibility/2006" xmlns:mv="urn:schemas-microsoft-com:mac:vml" xmlns:p="http://schemas.openxmlformats.org/presentationml/2006/main" xmlns:c="http://schemas.openxmlformats.org/drawingml/2006/chart" xmlns:dgm="http://schemas.openxmlformats.org/drawingml/2006/diagram" xmlns:o="urn:schemas-microsoft-com:office:office" xmlns:v="urn:schemas-microsoft-com:vml" xmlns:pvml="urn:schemas-microsoft-com:office:powerpoint" xmlns:com="http://schemas.openxmlformats.org/drawingml/2006/compatibility" xmlns:p14="http://schemas.microsoft.com/office/powerpoint/2010/main" xmlns:p15="http://schemas.microsoft.com/office/powerpoint/2012/main" xmlns:ahyp="http://schemas.microsoft.com/office/drawing/2018/hyperlinkcolor">
   <p:cSld>
     <p:spTree>
       <p:nvGrpSpPr>
-        <p:cNvPr id="144" name="Shape 144"/>
+        <p:cNvPr id="150" name="Shape 150"/>
         <p:cNvGrpSpPr/>
         <p:nvPr/>
       </p:nvGrpSpPr>
@@ -11689,7 +12191,7 @@
       </p:grpSpPr>
       <p:sp>
         <p:nvSpPr>
-          <p:cNvPr id="145" name="Google Shape;145;p16"/>
+          <p:cNvPr id="151" name="Google Shape;151;p17"/>
           <p:cNvSpPr txBox="1"/>
           <p:nvPr>
             <p:ph type="title"/>
@@ -11729,7 +12231,7 @@
       </p:sp>
       <p:sp>
         <p:nvSpPr>
-          <p:cNvPr id="146" name="Google Shape;146;p16"/>
+          <p:cNvPr id="152" name="Google Shape;152;p17"/>
           <p:cNvSpPr txBox="1"/>
           <p:nvPr>
             <p:ph idx="1" type="body"/>
@@ -11810,64 +12312,12 @@
 </p:sld>
 </file>
 
-<file path=ppt/slides/slide5.xml><?xml version="1.0" encoding="utf-8"?>
-<p:sld xmlns:a="http://schemas.openxmlformats.org/drawingml/2006/main" xmlns:r="http://schemas.openxmlformats.org/officeDocument/2006/relationships" xmlns:mc="http://schemas.openxmlformats.org/markup-compatibility/2006" xmlns:mv="urn:schemas-microsoft-com:mac:vml" xmlns:p="http://schemas.openxmlformats.org/presentationml/2006/main" xmlns:c="http://schemas.openxmlformats.org/drawingml/2006/chart" xmlns:dgm="http://schemas.openxmlformats.org/drawingml/2006/diagram" xmlns:o="urn:schemas-microsoft-com:office:office" xmlns:v="urn:schemas-microsoft-com:vml" xmlns:pvml="urn:schemas-microsoft-com:office:powerpoint" xmlns:com="http://schemas.openxmlformats.org/drawingml/2006/compatibility" xmlns:p14="http://schemas.microsoft.com/office/powerpoint/2010/main" xmlns:p15="http://schemas.microsoft.com/office/powerpoint/2012/main" xmlns:ahyp="http://schemas.microsoft.com/office/drawing/2018/hyperlinkcolor">
-  <p:cSld>
-    <p:spTree>
-      <p:nvGrpSpPr>
-        <p:cNvPr id="150" name="Shape 150"/>
-        <p:cNvGrpSpPr/>
-        <p:nvPr/>
-      </p:nvGrpSpPr>
-      <p:grpSpPr>
-        <a:xfrm>
-          <a:off x="0" y="0"/>
-          <a:ext cx="0" cy="0"/>
-          <a:chOff x="0" y="0"/>
-          <a:chExt cx="0" cy="0"/>
-        </a:xfrm>
-      </p:grpSpPr>
-      <p:pic>
-        <p:nvPicPr>
-          <p:cNvPr id="151" name="Google Shape;151;p17"/>
-          <p:cNvPicPr preferRelativeResize="0"/>
-          <p:nvPr/>
-        </p:nvPicPr>
-        <p:blipFill rotWithShape="1">
-          <a:blip r:embed="rId3">
-            <a:alphaModFix/>
-          </a:blip>
-          <a:srcRect b="4785" l="6646" r="6585" t="11560"/>
-          <a:stretch/>
-        </p:blipFill>
-        <p:spPr>
-          <a:xfrm>
-            <a:off x="788025" y="291450"/>
-            <a:ext cx="7096600" cy="4560600"/>
-          </a:xfrm>
-          <a:prstGeom prst="rect">
-            <a:avLst/>
-          </a:prstGeom>
-          <a:noFill/>
-          <a:ln>
-            <a:noFill/>
-          </a:ln>
-        </p:spPr>
-      </p:pic>
-    </p:spTree>
-  </p:cSld>
-  <p:clrMapOvr>
-    <a:masterClrMapping/>
-  </p:clrMapOvr>
-</p:sld>
-</file>
-
 <file path=ppt/slides/slide6.xml><?xml version="1.0" encoding="utf-8"?>
 <p:sld xmlns:a="http://schemas.openxmlformats.org/drawingml/2006/main" xmlns:r="http://schemas.openxmlformats.org/officeDocument/2006/relationships" xmlns:mc="http://schemas.openxmlformats.org/markup-compatibility/2006" xmlns:mv="urn:schemas-microsoft-com:mac:vml" xmlns:p="http://schemas.openxmlformats.org/presentationml/2006/main" xmlns:c="http://schemas.openxmlformats.org/drawingml/2006/chart" xmlns:dgm="http://schemas.openxmlformats.org/drawingml/2006/diagram" xmlns:o="urn:schemas-microsoft-com:office:office" xmlns:v="urn:schemas-microsoft-com:vml" xmlns:pvml="urn:schemas-microsoft-com:office:powerpoint" xmlns:com="http://schemas.openxmlformats.org/drawingml/2006/compatibility" xmlns:p14="http://schemas.microsoft.com/office/powerpoint/2010/main" xmlns:p15="http://schemas.microsoft.com/office/powerpoint/2012/main" xmlns:ahyp="http://schemas.microsoft.com/office/drawing/2018/hyperlinkcolor">
   <p:cSld>
     <p:spTree>
       <p:nvGrpSpPr>
-        <p:cNvPr id="155" name="Shape 155"/>
+        <p:cNvPr id="156" name="Shape 156"/>
         <p:cNvGrpSpPr/>
         <p:nvPr/>
       </p:nvGrpSpPr>
@@ -11881,7 +12331,7 @@
       </p:grpSpPr>
       <p:sp>
         <p:nvSpPr>
-          <p:cNvPr id="156" name="Google Shape;156;p18"/>
+          <p:cNvPr id="157" name="Google Shape;157;p18"/>
           <p:cNvSpPr txBox="1"/>
           <p:nvPr>
             <p:ph type="title"/>
@@ -11912,16 +12362,16 @@
               <a:buNone/>
             </a:pPr>
             <a:r>
-              <a:rPr lang="uk" sz="2700"/>
-              <a:t>Progression stats: Liverpool</a:t>
+              <a:rPr lang="uk"/>
+              <a:t>xG during the match</a:t>
             </a:r>
-            <a:endParaRPr sz="2700"/>
+            <a:endParaRPr/>
           </a:p>
         </p:txBody>
       </p:sp>
       <p:pic>
         <p:nvPicPr>
-          <p:cNvPr id="157" name="Google Shape;157;p18"/>
+          <p:cNvPr id="158" name="Google Shape;158;p18"/>
           <p:cNvPicPr preferRelativeResize="0"/>
           <p:nvPr/>
         </p:nvPicPr>
@@ -11929,13 +12379,13 @@
           <a:blip r:embed="rId3">
             <a:alphaModFix/>
           </a:blip>
-          <a:srcRect b="0" l="0" r="4021" t="0"/>
+          <a:srcRect b="4785" l="6646" r="6585" t="11560"/>
           <a:stretch/>
         </p:blipFill>
         <p:spPr>
           <a:xfrm>
-            <a:off x="330288" y="1934925"/>
-            <a:ext cx="8483424" cy="2745100"/>
+            <a:off x="2062125" y="1475925"/>
+            <a:ext cx="5019750" cy="3225900"/>
           </a:xfrm>
           <a:prstGeom prst="rect">
             <a:avLst/>
@@ -11959,7 +12409,7 @@
   <p:cSld>
     <p:spTree>
       <p:nvGrpSpPr>
-        <p:cNvPr id="161" name="Shape 161"/>
+        <p:cNvPr id="162" name="Shape 162"/>
         <p:cNvGrpSpPr/>
         <p:nvPr/>
       </p:nvGrpSpPr>
@@ -11973,7 +12423,7 @@
       </p:grpSpPr>
       <p:sp>
         <p:nvSpPr>
-          <p:cNvPr id="162" name="Google Shape;162;p19"/>
+          <p:cNvPr id="163" name="Google Shape;163;p19"/>
           <p:cNvSpPr txBox="1"/>
           <p:nvPr>
             <p:ph type="title"/>
@@ -11990,7 +12440,7 @@
         </p:spPr>
         <p:txBody>
           <a:bodyPr anchorCtr="0" anchor="t" bIns="91425" lIns="91425" spcFirstLastPara="1" rIns="91425" wrap="square" tIns="91425">
-            <a:normAutofit fontScale="90000"/>
+            <a:normAutofit/>
           </a:bodyPr>
           <a:lstStyle/>
           <a:p>
@@ -12005,22 +12455,7 @@
             </a:pPr>
             <a:r>
               <a:rPr lang="uk"/>
-              <a:t>Progression stats: Real Madrid</a:t>
-            </a:r>
-            <a:endParaRPr/>
-          </a:p>
-          <a:p>
-            <a:pPr indent="0" lvl="0" marL="0" rtl="0" algn="l">
-              <a:spcBef>
-                <a:spcPts val="0"/>
-              </a:spcBef>
-              <a:spcAft>
-                <a:spcPts val="0"/>
-              </a:spcAft>
-              <a:buNone/>
-            </a:pPr>
-            <a:r>
-              <a:t/>
+              <a:t>Winning probability during the match</a:t>
             </a:r>
             <a:endParaRPr/>
           </a:p>
@@ -12028,21 +12463,22 @@
       </p:sp>
       <p:pic>
         <p:nvPicPr>
-          <p:cNvPr id="163" name="Google Shape;163;p19"/>
+          <p:cNvPr id="164" name="Google Shape;164;p19"/>
           <p:cNvPicPr preferRelativeResize="0"/>
           <p:nvPr/>
         </p:nvPicPr>
-        <p:blipFill rotWithShape="1">
+        <p:blipFill>
           <a:blip r:embed="rId3">
             <a:alphaModFix/>
           </a:blip>
-          <a:srcRect b="0" l="0" r="4324" t="0"/>
-          <a:stretch/>
+          <a:stretch>
+            <a:fillRect/>
+          </a:stretch>
         </p:blipFill>
         <p:spPr>
           <a:xfrm>
-            <a:off x="343538" y="1890725"/>
-            <a:ext cx="8456925" cy="2745100"/>
+            <a:off x="2064000" y="1449875"/>
+            <a:ext cx="5016000" cy="3440300"/>
           </a:xfrm>
           <a:prstGeom prst="rect">
             <a:avLst/>
@@ -12066,7 +12502,7 @@
   <p:cSld>
     <p:spTree>
       <p:nvGrpSpPr>
-        <p:cNvPr id="167" name="Shape 167"/>
+        <p:cNvPr id="168" name="Shape 168"/>
         <p:cNvGrpSpPr/>
         <p:nvPr/>
       </p:nvGrpSpPr>
@@ -12080,7 +12516,7 @@
       </p:grpSpPr>
       <p:sp>
         <p:nvSpPr>
-          <p:cNvPr id="168" name="Google Shape;168;p20"/>
+          <p:cNvPr id="169" name="Google Shape;169;p20"/>
           <p:cNvSpPr txBox="1"/>
           <p:nvPr>
             <p:ph type="title"/>
@@ -12097,7 +12533,7 @@
         </p:spPr>
         <p:txBody>
           <a:bodyPr anchorCtr="0" anchor="t" bIns="91425" lIns="91425" spcFirstLastPara="1" rIns="91425" wrap="square" tIns="91425">
-            <a:normAutofit fontScale="90000"/>
+            <a:normAutofit/>
           </a:bodyPr>
           <a:lstStyle/>
           <a:p>
@@ -12112,37 +12548,7 @@
             </a:pPr>
             <a:r>
               <a:rPr lang="uk"/>
-              <a:t>Progression stats: Mixed</a:t>
-            </a:r>
-            <a:endParaRPr/>
-          </a:p>
-          <a:p>
-            <a:pPr indent="0" lvl="0" marL="0" rtl="0" algn="l">
-              <a:spcBef>
-                <a:spcPts val="0"/>
-              </a:spcBef>
-              <a:spcAft>
-                <a:spcPts val="0"/>
-              </a:spcAft>
-              <a:buNone/>
-            </a:pPr>
-            <a:r>
-              <a:t/>
-            </a:r>
-            <a:endParaRPr/>
-          </a:p>
-          <a:p>
-            <a:pPr indent="0" lvl="0" marL="0" rtl="0" algn="l">
-              <a:spcBef>
-                <a:spcPts val="0"/>
-              </a:spcBef>
-              <a:spcAft>
-                <a:spcPts val="0"/>
-              </a:spcAft>
-              <a:buNone/>
-            </a:pPr>
-            <a:r>
-              <a:t/>
+              <a:t>Shot density: 15 mins</a:t>
             </a:r>
             <a:endParaRPr/>
           </a:p>
@@ -12150,7 +12556,7 @@
       </p:sp>
       <p:pic>
         <p:nvPicPr>
-          <p:cNvPr id="169" name="Google Shape;169;p20"/>
+          <p:cNvPr id="170" name="Google Shape;170;p20"/>
           <p:cNvPicPr preferRelativeResize="0"/>
           <p:nvPr/>
         </p:nvPicPr>
@@ -12164,8 +12570,36 @@
         </p:blipFill>
         <p:spPr>
           <a:xfrm>
-            <a:off x="357188" y="1982600"/>
-            <a:ext cx="8429626" cy="2617900"/>
+            <a:off x="276150" y="2129325"/>
+            <a:ext cx="3952875" cy="2495550"/>
+          </a:xfrm>
+          <a:prstGeom prst="rect">
+            <a:avLst/>
+          </a:prstGeom>
+          <a:noFill/>
+          <a:ln>
+            <a:noFill/>
+          </a:ln>
+        </p:spPr>
+      </p:pic>
+      <p:pic>
+        <p:nvPicPr>
+          <p:cNvPr id="171" name="Google Shape;171;p20"/>
+          <p:cNvPicPr preferRelativeResize="0"/>
+          <p:nvPr/>
+        </p:nvPicPr>
+        <p:blipFill>
+          <a:blip r:embed="rId4">
+            <a:alphaModFix/>
+          </a:blip>
+          <a:stretch>
+            <a:fillRect/>
+          </a:stretch>
+        </p:blipFill>
+        <p:spPr>
+          <a:xfrm>
+            <a:off x="4779125" y="2129325"/>
+            <a:ext cx="3581400" cy="2495550"/>
           </a:xfrm>
           <a:prstGeom prst="rect">
             <a:avLst/>
@@ -12189,7 +12623,7 @@
   <p:cSld>
     <p:spTree>
       <p:nvGrpSpPr>
-        <p:cNvPr id="173" name="Shape 173"/>
+        <p:cNvPr id="175" name="Shape 175"/>
         <p:cNvGrpSpPr/>
         <p:nvPr/>
       </p:nvGrpSpPr>
@@ -12203,7 +12637,7 @@
       </p:grpSpPr>
       <p:sp>
         <p:nvSpPr>
-          <p:cNvPr id="174" name="Google Shape;174;p21"/>
+          <p:cNvPr id="176" name="Google Shape;176;p21"/>
           <p:cNvSpPr txBox="1"/>
           <p:nvPr>
             <p:ph type="title"/>
@@ -12234,51 +12668,69 @@
               <a:buNone/>
             </a:pPr>
             <a:r>
-              <a:t/>
+              <a:rPr lang="uk"/>
+              <a:t>Shot density: 5 mins</a:t>
             </a:r>
             <a:endParaRPr/>
           </a:p>
         </p:txBody>
       </p:sp>
-      <p:sp>
-        <p:nvSpPr>
-          <p:cNvPr id="175" name="Google Shape;175;p21"/>
-          <p:cNvSpPr txBox="1"/>
-          <p:nvPr>
-            <p:ph idx="1" type="body"/>
-          </p:nvPr>
-        </p:nvSpPr>
+      <p:pic>
+        <p:nvPicPr>
+          <p:cNvPr id="177" name="Google Shape;177;p21"/>
+          <p:cNvPicPr preferRelativeResize="0"/>
+          <p:nvPr/>
+        </p:nvPicPr>
+        <p:blipFill>
+          <a:blip r:embed="rId3">
+            <a:alphaModFix/>
+          </a:blip>
+          <a:stretch>
+            <a:fillRect/>
+          </a:stretch>
+        </p:blipFill>
         <p:spPr>
           <a:xfrm>
-            <a:off x="819150" y="1990725"/>
-            <a:ext cx="7505700" cy="2448000"/>
+            <a:off x="276150" y="2129325"/>
+            <a:ext cx="3952875" cy="2495550"/>
           </a:xfrm>
           <a:prstGeom prst="rect">
             <a:avLst/>
           </a:prstGeom>
+          <a:noFill/>
+          <a:ln>
+            <a:noFill/>
+          </a:ln>
         </p:spPr>
-        <p:txBody>
-          <a:bodyPr anchorCtr="0" anchor="t" bIns="91425" lIns="91425" spcFirstLastPara="1" rIns="91425" wrap="square" tIns="91425">
-            <a:normAutofit/>
-          </a:bodyPr>
-          <a:lstStyle/>
-          <a:p>
-            <a:pPr indent="0" lvl="0" marL="0" rtl="0" algn="l">
-              <a:spcBef>
-                <a:spcPts val="0"/>
-              </a:spcBef>
-              <a:spcAft>
-                <a:spcPts val="1200"/>
-              </a:spcAft>
-              <a:buNone/>
-            </a:pPr>
-            <a:r>
-              <a:t/>
-            </a:r>
-            <a:endParaRPr/>
-          </a:p>
-        </p:txBody>
-      </p:sp>
+      </p:pic>
+      <p:pic>
+        <p:nvPicPr>
+          <p:cNvPr id="178" name="Google Shape;178;p21"/>
+          <p:cNvPicPr preferRelativeResize="0"/>
+          <p:nvPr/>
+        </p:nvPicPr>
+        <p:blipFill>
+          <a:blip r:embed="rId4">
+            <a:alphaModFix/>
+          </a:blip>
+          <a:stretch>
+            <a:fillRect/>
+          </a:stretch>
+        </p:blipFill>
+        <p:spPr>
+          <a:xfrm>
+            <a:off x="4743450" y="2129325"/>
+            <a:ext cx="3581400" cy="2495550"/>
+          </a:xfrm>
+          <a:prstGeom prst="rect">
+            <a:avLst/>
+          </a:prstGeom>
+          <a:noFill/>
+          <a:ln>
+            <a:noFill/>
+          </a:ln>
+        </p:spPr>
+      </p:pic>
     </p:spTree>
   </p:cSld>
   <p:clrMapOvr>
@@ -12288,6 +12740,285 @@
 </file>
 
 <file path=ppt/theme/theme1.xml><?xml version="1.0" encoding="utf-8"?>
+<a:theme xmlns:a="http://schemas.openxmlformats.org/drawingml/2006/main" xmlns:r="http://schemas.openxmlformats.org/officeDocument/2006/relationships" name="Shift">
+  <a:themeElements>
+    <a:clrScheme name="Shift">
+      <a:dk1>
+        <a:srgbClr val="FFFFFF"/>
+      </a:dk1>
+      <a:lt1>
+        <a:srgbClr val="AF7B51"/>
+      </a:lt1>
+      <a:dk2>
+        <a:srgbClr val="233A44"/>
+      </a:dk2>
+      <a:lt2>
+        <a:srgbClr val="D9D9D9"/>
+      </a:lt2>
+      <a:accent1>
+        <a:srgbClr val="00796B"/>
+      </a:accent1>
+      <a:accent2>
+        <a:srgbClr val="D9563F"/>
+      </a:accent2>
+      <a:accent3>
+        <a:srgbClr val="C4A15A"/>
+      </a:accent3>
+      <a:accent4>
+        <a:srgbClr val="14F597"/>
+      </a:accent4>
+      <a:accent5>
+        <a:srgbClr val="3D4594"/>
+      </a:accent5>
+      <a:accent6>
+        <a:srgbClr val="163EF5"/>
+      </a:accent6>
+      <a:hlink>
+        <a:srgbClr val="3D4594"/>
+      </a:hlink>
+      <a:folHlink>
+        <a:srgbClr val="3D4594"/>
+      </a:folHlink>
+    </a:clrScheme>
+    <a:fontScheme name="Office">
+      <a:majorFont>
+        <a:latin typeface="Arial"/>
+        <a:ea typeface=""/>
+        <a:cs typeface=""/>
+        <a:font script="Jpan" typeface="ＭＳ Ｐゴシック"/>
+        <a:font script="Hang" typeface="맑은 고딕"/>
+        <a:font script="Hans" typeface="宋体"/>
+        <a:font script="Hant" typeface="新細明體"/>
+        <a:font script="Arab" typeface="Times New Roman"/>
+        <a:font script="Hebr" typeface="Times New Roman"/>
+        <a:font script="Thai" typeface="Angsana New"/>
+        <a:font script="Ethi" typeface="Nyala"/>
+        <a:font script="Beng" typeface="Vrinda"/>
+        <a:font script="Gujr" typeface="Shruti"/>
+        <a:font script="Khmr" typeface="MoolBoran"/>
+        <a:font script="Knda" typeface="Tunga"/>
+        <a:font script="Guru" typeface="Raavi"/>
+        <a:font script="Cans" typeface="Euphemia"/>
+        <a:font script="Cher" typeface="Plantagenet Cherokee"/>
+        <a:font script="Yiii" typeface="Microsoft Yi Baiti"/>
+        <a:font script="Tibt" typeface="Microsoft Himalaya"/>
+        <a:font script="Thaa" typeface="MV Boli"/>
+        <a:font script="Deva" typeface="Mangal"/>
+        <a:font script="Telu" typeface="Gautami"/>
+        <a:font script="Taml" typeface="Latha"/>
+        <a:font script="Syrc" typeface="Estrangelo Edessa"/>
+        <a:font script="Orya" typeface="Kalinga"/>
+        <a:font script="Mlym" typeface="Kartika"/>
+        <a:font script="Laoo" typeface="DokChampa"/>
+        <a:font script="Sinh" typeface="Iskoola Pota"/>
+        <a:font script="Mong" typeface="Mongolian Baiti"/>
+        <a:font script="Viet" typeface="Times New Roman"/>
+        <a:font script="Uigh" typeface="Microsoft Uighur"/>
+        <a:font script="Geor" typeface="Sylfaen"/>
+      </a:majorFont>
+      <a:minorFont>
+        <a:latin typeface="Arial"/>
+        <a:ea typeface=""/>
+        <a:cs typeface=""/>
+        <a:font script="Jpan" typeface="ＭＳ Ｐゴシック"/>
+        <a:font script="Hang" typeface="맑은 고딕"/>
+        <a:font script="Hans" typeface="宋体"/>
+        <a:font script="Hant" typeface="新細明體"/>
+        <a:font script="Arab" typeface="Arial"/>
+        <a:font script="Hebr" typeface="Arial"/>
+        <a:font script="Thai" typeface="Cordia New"/>
+        <a:font script="Ethi" typeface="Nyala"/>
+        <a:font script="Beng" typeface="Vrinda"/>
+        <a:font script="Gujr" typeface="Shruti"/>
+        <a:font script="Khmr" typeface="DaunPenh"/>
+        <a:font script="Knda" typeface="Tunga"/>
+        <a:font script="Guru" typeface="Raavi"/>
+        <a:font script="Cans" typeface="Euphemia"/>
+        <a:font script="Cher" typeface="Plantagenet Cherokee"/>
+        <a:font script="Yiii" typeface="Microsoft Yi Baiti"/>
+        <a:font script="Tibt" typeface="Microsoft Himalaya"/>
+        <a:font script="Thaa" typeface="MV Boli"/>
+        <a:font script="Deva" typeface="Mangal"/>
+        <a:font script="Telu" typeface="Gautami"/>
+        <a:font script="Taml" typeface="Latha"/>
+        <a:font script="Syrc" typeface="Estrangelo Edessa"/>
+        <a:font script="Orya" typeface="Kalinga"/>
+        <a:font script="Mlym" typeface="Kartika"/>
+        <a:font script="Laoo" typeface="DokChampa"/>
+        <a:font script="Sinh" typeface="Iskoola Pota"/>
+        <a:font script="Mong" typeface="Mongolian Baiti"/>
+        <a:font script="Viet" typeface="Arial"/>
+        <a:font script="Uigh" typeface="Microsoft Uighur"/>
+        <a:font script="Geor" typeface="Sylfaen"/>
+      </a:minorFont>
+    </a:fontScheme>
+    <a:fmtScheme name="Office">
+      <a:fillStyleLst>
+        <a:solidFill>
+          <a:schemeClr val="phClr"/>
+        </a:solidFill>
+        <a:gradFill rotWithShape="1">
+          <a:gsLst>
+            <a:gs pos="0">
+              <a:schemeClr val="phClr">
+                <a:tint val="50000"/>
+                <a:satMod val="300000"/>
+              </a:schemeClr>
+            </a:gs>
+            <a:gs pos="35000">
+              <a:schemeClr val="phClr">
+                <a:tint val="37000"/>
+                <a:satMod val="300000"/>
+              </a:schemeClr>
+            </a:gs>
+            <a:gs pos="100000">
+              <a:schemeClr val="phClr">
+                <a:tint val="15000"/>
+                <a:satMod val="350000"/>
+              </a:schemeClr>
+            </a:gs>
+          </a:gsLst>
+          <a:lin ang="16200000" scaled="1"/>
+        </a:gradFill>
+        <a:gradFill rotWithShape="1">
+          <a:gsLst>
+            <a:gs pos="0">
+              <a:schemeClr val="phClr">
+                <a:tint val="100000"/>
+                <a:shade val="100000"/>
+                <a:satMod val="130000"/>
+              </a:schemeClr>
+            </a:gs>
+            <a:gs pos="100000">
+              <a:schemeClr val="phClr">
+                <a:tint val="50000"/>
+                <a:shade val="100000"/>
+                <a:satMod val="350000"/>
+              </a:schemeClr>
+            </a:gs>
+          </a:gsLst>
+          <a:lin ang="16200000" scaled="0"/>
+        </a:gradFill>
+      </a:fillStyleLst>
+      <a:lnStyleLst>
+        <a:ln w="9525" cap="flat" cmpd="sng" algn="ctr">
+          <a:solidFill>
+            <a:schemeClr val="phClr">
+              <a:shade val="95000"/>
+              <a:satMod val="105000"/>
+            </a:schemeClr>
+          </a:solidFill>
+          <a:prstDash val="solid"/>
+        </a:ln>
+        <a:ln w="25400" cap="flat" cmpd="sng" algn="ctr">
+          <a:solidFill>
+            <a:schemeClr val="phClr"/>
+          </a:solidFill>
+          <a:prstDash val="solid"/>
+        </a:ln>
+        <a:ln w="38100" cap="flat" cmpd="sng" algn="ctr">
+          <a:solidFill>
+            <a:schemeClr val="phClr"/>
+          </a:solidFill>
+          <a:prstDash val="solid"/>
+        </a:ln>
+      </a:lnStyleLst>
+      <a:effectStyleLst>
+        <a:effectStyle>
+          <a:effectLst>
+            <a:outerShdw blurRad="40000" dist="20000" dir="5400000" rotWithShape="0">
+              <a:srgbClr val="000000">
+                <a:alpha val="38000"/>
+              </a:srgbClr>
+            </a:outerShdw>
+          </a:effectLst>
+        </a:effectStyle>
+        <a:effectStyle>
+          <a:effectLst>
+            <a:outerShdw blurRad="40000" dist="23000" dir="5400000" rotWithShape="0">
+              <a:srgbClr val="000000">
+                <a:alpha val="35000"/>
+              </a:srgbClr>
+            </a:outerShdw>
+          </a:effectLst>
+        </a:effectStyle>
+        <a:effectStyle>
+          <a:effectLst>
+            <a:outerShdw blurRad="40000" dist="23000" dir="5400000" rotWithShape="0">
+              <a:srgbClr val="000000">
+                <a:alpha val="35000"/>
+              </a:srgbClr>
+            </a:outerShdw>
+          </a:effectLst>
+          <a:scene3d>
+            <a:camera prst="orthographicFront">
+              <a:rot lat="0" lon="0" rev="0"/>
+            </a:camera>
+            <a:lightRig rig="threePt" dir="t">
+              <a:rot lat="0" lon="0" rev="1200000"/>
+            </a:lightRig>
+          </a:scene3d>
+          <a:sp3d>
+            <a:bevelT w="63500" h="25400"/>
+          </a:sp3d>
+        </a:effectStyle>
+      </a:effectStyleLst>
+      <a:bgFillStyleLst>
+        <a:solidFill>
+          <a:schemeClr val="phClr"/>
+        </a:solidFill>
+        <a:gradFill rotWithShape="1">
+          <a:gsLst>
+            <a:gs pos="0">
+              <a:schemeClr val="phClr">
+                <a:tint val="40000"/>
+                <a:satMod val="350000"/>
+              </a:schemeClr>
+            </a:gs>
+            <a:gs pos="40000">
+              <a:schemeClr val="phClr">
+                <a:tint val="45000"/>
+                <a:shade val="99000"/>
+                <a:satMod val="350000"/>
+              </a:schemeClr>
+            </a:gs>
+            <a:gs pos="100000">
+              <a:schemeClr val="phClr">
+                <a:shade val="20000"/>
+                <a:satMod val="255000"/>
+              </a:schemeClr>
+            </a:gs>
+          </a:gsLst>
+          <a:path path="circle">
+            <a:fillToRect l="50000" t="-80000" r="50000" b="180000"/>
+          </a:path>
+        </a:gradFill>
+        <a:gradFill rotWithShape="1">
+          <a:gsLst>
+            <a:gs pos="0">
+              <a:schemeClr val="phClr">
+                <a:tint val="80000"/>
+                <a:satMod val="300000"/>
+              </a:schemeClr>
+            </a:gs>
+            <a:gs pos="100000">
+              <a:schemeClr val="phClr">
+                <a:shade val="30000"/>
+                <a:satMod val="200000"/>
+              </a:schemeClr>
+            </a:gs>
+          </a:gsLst>
+          <a:path path="circle">
+            <a:fillToRect l="50000" t="50000" r="50000" b="50000"/>
+          </a:path>
+        </a:gradFill>
+      </a:bgFillStyleLst>
+    </a:fmtScheme>
+  </a:themeElements>
+</a:theme>
+</file>
+
+<file path=ppt/theme/theme2.xml><?xml version="1.0" encoding="utf-8"?>
 <a:theme xmlns:a="http://schemas.openxmlformats.org/drawingml/2006/main" xmlns:r="http://schemas.openxmlformats.org/officeDocument/2006/relationships">
   <a:themeElements>
     <a:clrScheme name="Default">
@@ -12564,283 +13295,4 @@
     </a:fmtScheme>
   </a:themeElements>
 </a:theme>
-</file>
-
-<file path=ppt/theme/theme2.xml><?xml version="1.0" encoding="utf-8"?>
-<a:theme xmlns:a="http://schemas.openxmlformats.org/drawingml/2006/main" xmlns:r="http://schemas.openxmlformats.org/officeDocument/2006/relationships" name="Shift">
-  <a:themeElements>
-    <a:clrScheme name="Shift">
-      <a:dk1>
-        <a:srgbClr val="FFFFFF"/>
-      </a:dk1>
-      <a:lt1>
-        <a:srgbClr val="AF7B51"/>
-      </a:lt1>
-      <a:dk2>
-        <a:srgbClr val="233A44"/>
-      </a:dk2>
-      <a:lt2>
-        <a:srgbClr val="D9D9D9"/>
-      </a:lt2>
-      <a:accent1>
-        <a:srgbClr val="00796B"/>
-      </a:accent1>
-      <a:accent2>
-        <a:srgbClr val="D9563F"/>
-      </a:accent2>
-      <a:accent3>
-        <a:srgbClr val="C4A15A"/>
-      </a:accent3>
-      <a:accent4>
-        <a:srgbClr val="14F597"/>
-      </a:accent4>
-      <a:accent5>
-        <a:srgbClr val="3D4594"/>
-      </a:accent5>
-      <a:accent6>
-        <a:srgbClr val="163EF5"/>
-      </a:accent6>
-      <a:hlink>
-        <a:srgbClr val="3D4594"/>
-      </a:hlink>
-      <a:folHlink>
-        <a:srgbClr val="3D4594"/>
-      </a:folHlink>
-    </a:clrScheme>
-    <a:fontScheme name="Office">
-      <a:majorFont>
-        <a:latin typeface="Arial"/>
-        <a:ea typeface=""/>
-        <a:cs typeface=""/>
-        <a:font script="Jpan" typeface="ＭＳ Ｐゴシック"/>
-        <a:font script="Hang" typeface="맑은 고딕"/>
-        <a:font script="Hans" typeface="宋体"/>
-        <a:font script="Hant" typeface="新細明體"/>
-        <a:font script="Arab" typeface="Times New Roman"/>
-        <a:font script="Hebr" typeface="Times New Roman"/>
-        <a:font script="Thai" typeface="Angsana New"/>
-        <a:font script="Ethi" typeface="Nyala"/>
-        <a:font script="Beng" typeface="Vrinda"/>
-        <a:font script="Gujr" typeface="Shruti"/>
-        <a:font script="Khmr" typeface="MoolBoran"/>
-        <a:font script="Knda" typeface="Tunga"/>
-        <a:font script="Guru" typeface="Raavi"/>
-        <a:font script="Cans" typeface="Euphemia"/>
-        <a:font script="Cher" typeface="Plantagenet Cherokee"/>
-        <a:font script="Yiii" typeface="Microsoft Yi Baiti"/>
-        <a:font script="Tibt" typeface="Microsoft Himalaya"/>
-        <a:font script="Thaa" typeface="MV Boli"/>
-        <a:font script="Deva" typeface="Mangal"/>
-        <a:font script="Telu" typeface="Gautami"/>
-        <a:font script="Taml" typeface="Latha"/>
-        <a:font script="Syrc" typeface="Estrangelo Edessa"/>
-        <a:font script="Orya" typeface="Kalinga"/>
-        <a:font script="Mlym" typeface="Kartika"/>
-        <a:font script="Laoo" typeface="DokChampa"/>
-        <a:font script="Sinh" typeface="Iskoola Pota"/>
-        <a:font script="Mong" typeface="Mongolian Baiti"/>
-        <a:font script="Viet" typeface="Times New Roman"/>
-        <a:font script="Uigh" typeface="Microsoft Uighur"/>
-        <a:font script="Geor" typeface="Sylfaen"/>
-      </a:majorFont>
-      <a:minorFont>
-        <a:latin typeface="Arial"/>
-        <a:ea typeface=""/>
-        <a:cs typeface=""/>
-        <a:font script="Jpan" typeface="ＭＳ Ｐゴシック"/>
-        <a:font script="Hang" typeface="맑은 고딕"/>
-        <a:font script="Hans" typeface="宋体"/>
-        <a:font script="Hant" typeface="新細明體"/>
-        <a:font script="Arab" typeface="Arial"/>
-        <a:font script="Hebr" typeface="Arial"/>
-        <a:font script="Thai" typeface="Cordia New"/>
-        <a:font script="Ethi" typeface="Nyala"/>
-        <a:font script="Beng" typeface="Vrinda"/>
-        <a:font script="Gujr" typeface="Shruti"/>
-        <a:font script="Khmr" typeface="DaunPenh"/>
-        <a:font script="Knda" typeface="Tunga"/>
-        <a:font script="Guru" typeface="Raavi"/>
-        <a:font script="Cans" typeface="Euphemia"/>
-        <a:font script="Cher" typeface="Plantagenet Cherokee"/>
-        <a:font script="Yiii" typeface="Microsoft Yi Baiti"/>
-        <a:font script="Tibt" typeface="Microsoft Himalaya"/>
-        <a:font script="Thaa" typeface="MV Boli"/>
-        <a:font script="Deva" typeface="Mangal"/>
-        <a:font script="Telu" typeface="Gautami"/>
-        <a:font script="Taml" typeface="Latha"/>
-        <a:font script="Syrc" typeface="Estrangelo Edessa"/>
-        <a:font script="Orya" typeface="Kalinga"/>
-        <a:font script="Mlym" typeface="Kartika"/>
-        <a:font script="Laoo" typeface="DokChampa"/>
-        <a:font script="Sinh" typeface="Iskoola Pota"/>
-        <a:font script="Mong" typeface="Mongolian Baiti"/>
-        <a:font script="Viet" typeface="Arial"/>
-        <a:font script="Uigh" typeface="Microsoft Uighur"/>
-        <a:font script="Geor" typeface="Sylfaen"/>
-      </a:minorFont>
-    </a:fontScheme>
-    <a:fmtScheme name="Office">
-      <a:fillStyleLst>
-        <a:solidFill>
-          <a:schemeClr val="phClr"/>
-        </a:solidFill>
-        <a:gradFill rotWithShape="1">
-          <a:gsLst>
-            <a:gs pos="0">
-              <a:schemeClr val="phClr">
-                <a:tint val="50000"/>
-                <a:satMod val="300000"/>
-              </a:schemeClr>
-            </a:gs>
-            <a:gs pos="35000">
-              <a:schemeClr val="phClr">
-                <a:tint val="37000"/>
-                <a:satMod val="300000"/>
-              </a:schemeClr>
-            </a:gs>
-            <a:gs pos="100000">
-              <a:schemeClr val="phClr">
-                <a:tint val="15000"/>
-                <a:satMod val="350000"/>
-              </a:schemeClr>
-            </a:gs>
-          </a:gsLst>
-          <a:lin ang="16200000" scaled="1"/>
-        </a:gradFill>
-        <a:gradFill rotWithShape="1">
-          <a:gsLst>
-            <a:gs pos="0">
-              <a:schemeClr val="phClr">
-                <a:tint val="100000"/>
-                <a:shade val="100000"/>
-                <a:satMod val="130000"/>
-              </a:schemeClr>
-            </a:gs>
-            <a:gs pos="100000">
-              <a:schemeClr val="phClr">
-                <a:tint val="50000"/>
-                <a:shade val="100000"/>
-                <a:satMod val="350000"/>
-              </a:schemeClr>
-            </a:gs>
-          </a:gsLst>
-          <a:lin ang="16200000" scaled="0"/>
-        </a:gradFill>
-      </a:fillStyleLst>
-      <a:lnStyleLst>
-        <a:ln w="9525" cap="flat" cmpd="sng" algn="ctr">
-          <a:solidFill>
-            <a:schemeClr val="phClr">
-              <a:shade val="95000"/>
-              <a:satMod val="105000"/>
-            </a:schemeClr>
-          </a:solidFill>
-          <a:prstDash val="solid"/>
-        </a:ln>
-        <a:ln w="25400" cap="flat" cmpd="sng" algn="ctr">
-          <a:solidFill>
-            <a:schemeClr val="phClr"/>
-          </a:solidFill>
-          <a:prstDash val="solid"/>
-        </a:ln>
-        <a:ln w="38100" cap="flat" cmpd="sng" algn="ctr">
-          <a:solidFill>
-            <a:schemeClr val="phClr"/>
-          </a:solidFill>
-          <a:prstDash val="solid"/>
-        </a:ln>
-      </a:lnStyleLst>
-      <a:effectStyleLst>
-        <a:effectStyle>
-          <a:effectLst>
-            <a:outerShdw blurRad="40000" dist="20000" dir="5400000" rotWithShape="0">
-              <a:srgbClr val="000000">
-                <a:alpha val="38000"/>
-              </a:srgbClr>
-            </a:outerShdw>
-          </a:effectLst>
-        </a:effectStyle>
-        <a:effectStyle>
-          <a:effectLst>
-            <a:outerShdw blurRad="40000" dist="23000" dir="5400000" rotWithShape="0">
-              <a:srgbClr val="000000">
-                <a:alpha val="35000"/>
-              </a:srgbClr>
-            </a:outerShdw>
-          </a:effectLst>
-        </a:effectStyle>
-        <a:effectStyle>
-          <a:effectLst>
-            <a:outerShdw blurRad="40000" dist="23000" dir="5400000" rotWithShape="0">
-              <a:srgbClr val="000000">
-                <a:alpha val="35000"/>
-              </a:srgbClr>
-            </a:outerShdw>
-          </a:effectLst>
-          <a:scene3d>
-            <a:camera prst="orthographicFront">
-              <a:rot lat="0" lon="0" rev="0"/>
-            </a:camera>
-            <a:lightRig rig="threePt" dir="t">
-              <a:rot lat="0" lon="0" rev="1200000"/>
-            </a:lightRig>
-          </a:scene3d>
-          <a:sp3d>
-            <a:bevelT w="63500" h="25400"/>
-          </a:sp3d>
-        </a:effectStyle>
-      </a:effectStyleLst>
-      <a:bgFillStyleLst>
-        <a:solidFill>
-          <a:schemeClr val="phClr"/>
-        </a:solidFill>
-        <a:gradFill rotWithShape="1">
-          <a:gsLst>
-            <a:gs pos="0">
-              <a:schemeClr val="phClr">
-                <a:tint val="40000"/>
-                <a:satMod val="350000"/>
-              </a:schemeClr>
-            </a:gs>
-            <a:gs pos="40000">
-              <a:schemeClr val="phClr">
-                <a:tint val="45000"/>
-                <a:shade val="99000"/>
-                <a:satMod val="350000"/>
-              </a:schemeClr>
-            </a:gs>
-            <a:gs pos="100000">
-              <a:schemeClr val="phClr">
-                <a:shade val="20000"/>
-                <a:satMod val="255000"/>
-              </a:schemeClr>
-            </a:gs>
-          </a:gsLst>
-          <a:path path="circle">
-            <a:fillToRect l="50000" t="-80000" r="50000" b="180000"/>
-          </a:path>
-        </a:gradFill>
-        <a:gradFill rotWithShape="1">
-          <a:gsLst>
-            <a:gs pos="0">
-              <a:schemeClr val="phClr">
-                <a:tint val="80000"/>
-                <a:satMod val="300000"/>
-              </a:schemeClr>
-            </a:gs>
-            <a:gs pos="100000">
-              <a:schemeClr val="phClr">
-                <a:shade val="30000"/>
-                <a:satMod val="200000"/>
-              </a:schemeClr>
-            </a:gs>
-          </a:gsLst>
-          <a:path path="circle">
-            <a:fillToRect l="50000" t="50000" r="50000" b="50000"/>
-          </a:path>
-        </a:gradFill>
-      </a:bgFillStyleLst>
-    </a:fmtScheme>
-  </a:themeElements>
-</a:theme>
 </file>